--- a/ppt 16-9/1278.耶稣爱我.pptx
+++ b/ppt 16-9/1278.耶稣爱我.pptx
@@ -5,7 +5,7 @@
     <p:sldMasterId id="2147483648" r:id="rId1"/>
   </p:sldMasterIdLst>
   <p:sldIdLst>
-    <p:sldId id="827" r:id="rId2"/>
+    <p:sldId id="828" r:id="rId2"/>
   </p:sldIdLst>
   <p:sldSz cx="12192000" cy="6858000"/>
   <p:notesSz cx="6858000" cy="9144000"/>
@@ -129,7 +129,7 @@
           <p:cNvPr id="2" name="标题 1">
             <a:extLst>
               <a:ext uri="{FF2B5EF4-FFF2-40B4-BE49-F238E27FC236}">
-                <a16:creationId xmlns:a16="http://schemas.microsoft.com/office/drawing/2014/main" id="{E1EB94C0-EB00-2F47-79B8-AD3782876BA1}"/>
+                <a16:creationId xmlns:a16="http://schemas.microsoft.com/office/drawing/2014/main" id="{10FBB0F1-00C1-0CC7-2447-7364897E7845}"/>
               </a:ext>
             </a:extLst>
           </p:cNvPr>
@@ -166,7 +166,7 @@
           <p:cNvPr id="3" name="副标题 2">
             <a:extLst>
               <a:ext uri="{FF2B5EF4-FFF2-40B4-BE49-F238E27FC236}">
-                <a16:creationId xmlns:a16="http://schemas.microsoft.com/office/drawing/2014/main" id="{0C5429E5-4D05-F470-048E-A03F6B7CF974}"/>
+                <a16:creationId xmlns:a16="http://schemas.microsoft.com/office/drawing/2014/main" id="{50B3F4BC-C006-ACF5-52A1-D78DD69D8C65}"/>
               </a:ext>
             </a:extLst>
           </p:cNvPr>
@@ -236,7 +236,7 @@
           <p:cNvPr id="4" name="日期占位符 3">
             <a:extLst>
               <a:ext uri="{FF2B5EF4-FFF2-40B4-BE49-F238E27FC236}">
-                <a16:creationId xmlns:a16="http://schemas.microsoft.com/office/drawing/2014/main" id="{4D494FFD-E433-36EC-B100-A8589AA1093C}"/>
+                <a16:creationId xmlns:a16="http://schemas.microsoft.com/office/drawing/2014/main" id="{A49BE1E9-9098-DD2F-441D-61E81ADC68CE}"/>
               </a:ext>
             </a:extLst>
           </p:cNvPr>
@@ -252,7 +252,7 @@
           <a:bodyPr/>
           <a:lstStyle/>
           <a:p>
-            <a:fld id="{259CCCC5-3357-4882-8BB8-6379A2E6A040}" type="datetimeFigureOut">
+            <a:fld id="{B5980501-479D-4C6D-BA30-8A8609A3FAED}" type="datetimeFigureOut">
               <a:rPr lang="zh-CN" altLang="en-US" smtClean="0"/>
               <a:t>2024/3/10</a:t>
             </a:fld>
@@ -265,7 +265,7 @@
           <p:cNvPr id="5" name="页脚占位符 4">
             <a:extLst>
               <a:ext uri="{FF2B5EF4-FFF2-40B4-BE49-F238E27FC236}">
-                <a16:creationId xmlns:a16="http://schemas.microsoft.com/office/drawing/2014/main" id="{9E6AF150-0D78-DC00-9D56-78A76ED0CFBA}"/>
+                <a16:creationId xmlns:a16="http://schemas.microsoft.com/office/drawing/2014/main" id="{A41501F5-6B1C-8567-F994-3699F63A7E22}"/>
               </a:ext>
             </a:extLst>
           </p:cNvPr>
@@ -290,7 +290,7 @@
           <p:cNvPr id="6" name="灯片编号占位符 5">
             <a:extLst>
               <a:ext uri="{FF2B5EF4-FFF2-40B4-BE49-F238E27FC236}">
-                <a16:creationId xmlns:a16="http://schemas.microsoft.com/office/drawing/2014/main" id="{57726C86-747B-7610-F46E-065814839CDF}"/>
+                <a16:creationId xmlns:a16="http://schemas.microsoft.com/office/drawing/2014/main" id="{C9B873E8-FEFB-49A1-D9BD-29950B4762AD}"/>
               </a:ext>
             </a:extLst>
           </p:cNvPr>
@@ -306,7 +306,7 @@
           <a:bodyPr/>
           <a:lstStyle/>
           <a:p>
-            <a:fld id="{B9B5837B-BF8C-4A87-BEA0-8D4C47768557}" type="slidenum">
+            <a:fld id="{284E2ED6-9524-4D47-ADF2-4C40D2ADFC8F}" type="slidenum">
               <a:rPr lang="zh-CN" altLang="en-US" smtClean="0"/>
               <a:t>‹#›</a:t>
             </a:fld>
@@ -317,7 +317,7 @@
     </p:spTree>
     <p:extLst>
       <p:ext uri="{BB962C8B-B14F-4D97-AF65-F5344CB8AC3E}">
-        <p14:creationId xmlns:p14="http://schemas.microsoft.com/office/powerpoint/2010/main" val="2662098612"/>
+        <p14:creationId xmlns:p14="http://schemas.microsoft.com/office/powerpoint/2010/main" val="271760457"/>
       </p:ext>
     </p:extLst>
   </p:cSld>
@@ -349,7 +349,7 @@
           <p:cNvPr id="2" name="标题 1">
             <a:extLst>
               <a:ext uri="{FF2B5EF4-FFF2-40B4-BE49-F238E27FC236}">
-                <a16:creationId xmlns:a16="http://schemas.microsoft.com/office/drawing/2014/main" id="{E3473531-F0DC-E385-081D-1396832AB7E4}"/>
+                <a16:creationId xmlns:a16="http://schemas.microsoft.com/office/drawing/2014/main" id="{1E345658-CD92-912A-A7B8-3E46BCA001D9}"/>
               </a:ext>
             </a:extLst>
           </p:cNvPr>
@@ -377,7 +377,7 @@
           <p:cNvPr id="3" name="竖排文字占位符 2">
             <a:extLst>
               <a:ext uri="{FF2B5EF4-FFF2-40B4-BE49-F238E27FC236}">
-                <a16:creationId xmlns:a16="http://schemas.microsoft.com/office/drawing/2014/main" id="{572450D1-BC17-4091-23E0-B4A37FBF5EDF}"/>
+                <a16:creationId xmlns:a16="http://schemas.microsoft.com/office/drawing/2014/main" id="{4599504E-8F52-CDA8-1FC1-FCDA375F9D42}"/>
               </a:ext>
             </a:extLst>
           </p:cNvPr>
@@ -434,7 +434,7 @@
           <p:cNvPr id="4" name="日期占位符 3">
             <a:extLst>
               <a:ext uri="{FF2B5EF4-FFF2-40B4-BE49-F238E27FC236}">
-                <a16:creationId xmlns:a16="http://schemas.microsoft.com/office/drawing/2014/main" id="{2E3E802E-E628-321F-FFB9-EA09A1E8049D}"/>
+                <a16:creationId xmlns:a16="http://schemas.microsoft.com/office/drawing/2014/main" id="{8A709241-943E-47C6-0427-FBC4B37C0506}"/>
               </a:ext>
             </a:extLst>
           </p:cNvPr>
@@ -450,7 +450,7 @@
           <a:bodyPr/>
           <a:lstStyle/>
           <a:p>
-            <a:fld id="{259CCCC5-3357-4882-8BB8-6379A2E6A040}" type="datetimeFigureOut">
+            <a:fld id="{B5980501-479D-4C6D-BA30-8A8609A3FAED}" type="datetimeFigureOut">
               <a:rPr lang="zh-CN" altLang="en-US" smtClean="0"/>
               <a:t>2024/3/10</a:t>
             </a:fld>
@@ -463,7 +463,7 @@
           <p:cNvPr id="5" name="页脚占位符 4">
             <a:extLst>
               <a:ext uri="{FF2B5EF4-FFF2-40B4-BE49-F238E27FC236}">
-                <a16:creationId xmlns:a16="http://schemas.microsoft.com/office/drawing/2014/main" id="{19D55B2B-8E20-FE62-A808-51C401558435}"/>
+                <a16:creationId xmlns:a16="http://schemas.microsoft.com/office/drawing/2014/main" id="{ACFC4909-E3F0-0403-B6C1-ABBA0610BE5B}"/>
               </a:ext>
             </a:extLst>
           </p:cNvPr>
@@ -488,7 +488,7 @@
           <p:cNvPr id="6" name="灯片编号占位符 5">
             <a:extLst>
               <a:ext uri="{FF2B5EF4-FFF2-40B4-BE49-F238E27FC236}">
-                <a16:creationId xmlns:a16="http://schemas.microsoft.com/office/drawing/2014/main" id="{71F235A5-9676-0309-6EEB-83BB23ABB31D}"/>
+                <a16:creationId xmlns:a16="http://schemas.microsoft.com/office/drawing/2014/main" id="{9B84659A-93AD-45AB-07F4-2D79904D25E3}"/>
               </a:ext>
             </a:extLst>
           </p:cNvPr>
@@ -504,7 +504,7 @@
           <a:bodyPr/>
           <a:lstStyle/>
           <a:p>
-            <a:fld id="{B9B5837B-BF8C-4A87-BEA0-8D4C47768557}" type="slidenum">
+            <a:fld id="{284E2ED6-9524-4D47-ADF2-4C40D2ADFC8F}" type="slidenum">
               <a:rPr lang="zh-CN" altLang="en-US" smtClean="0"/>
               <a:t>‹#›</a:t>
             </a:fld>
@@ -515,7 +515,7 @@
     </p:spTree>
     <p:extLst>
       <p:ext uri="{BB962C8B-B14F-4D97-AF65-F5344CB8AC3E}">
-        <p14:creationId xmlns:p14="http://schemas.microsoft.com/office/powerpoint/2010/main" val="3901174568"/>
+        <p14:creationId xmlns:p14="http://schemas.microsoft.com/office/powerpoint/2010/main" val="3751409749"/>
       </p:ext>
     </p:extLst>
   </p:cSld>
@@ -547,7 +547,7 @@
           <p:cNvPr id="2" name="竖排标题 1">
             <a:extLst>
               <a:ext uri="{FF2B5EF4-FFF2-40B4-BE49-F238E27FC236}">
-                <a16:creationId xmlns:a16="http://schemas.microsoft.com/office/drawing/2014/main" id="{6F7680FE-005A-7D90-6A3A-16B047D4D38A}"/>
+                <a16:creationId xmlns:a16="http://schemas.microsoft.com/office/drawing/2014/main" id="{7C54ECD1-B92E-1065-CF03-F21063575DF6}"/>
               </a:ext>
             </a:extLst>
           </p:cNvPr>
@@ -580,7 +580,7 @@
           <p:cNvPr id="3" name="竖排文字占位符 2">
             <a:extLst>
               <a:ext uri="{FF2B5EF4-FFF2-40B4-BE49-F238E27FC236}">
-                <a16:creationId xmlns:a16="http://schemas.microsoft.com/office/drawing/2014/main" id="{E876E04A-EAC3-07D2-B6D6-B189CF4EA75B}"/>
+                <a16:creationId xmlns:a16="http://schemas.microsoft.com/office/drawing/2014/main" id="{2F0760EC-F4E6-5448-7BBA-4699824EE893}"/>
               </a:ext>
             </a:extLst>
           </p:cNvPr>
@@ -642,7 +642,7 @@
           <p:cNvPr id="4" name="日期占位符 3">
             <a:extLst>
               <a:ext uri="{FF2B5EF4-FFF2-40B4-BE49-F238E27FC236}">
-                <a16:creationId xmlns:a16="http://schemas.microsoft.com/office/drawing/2014/main" id="{ACAD03E7-1B50-FCED-C4D3-2700ED300986}"/>
+                <a16:creationId xmlns:a16="http://schemas.microsoft.com/office/drawing/2014/main" id="{EEC41AFE-5FCA-8F59-4CE1-CF6CD5A74F78}"/>
               </a:ext>
             </a:extLst>
           </p:cNvPr>
@@ -658,7 +658,7 @@
           <a:bodyPr/>
           <a:lstStyle/>
           <a:p>
-            <a:fld id="{259CCCC5-3357-4882-8BB8-6379A2E6A040}" type="datetimeFigureOut">
+            <a:fld id="{B5980501-479D-4C6D-BA30-8A8609A3FAED}" type="datetimeFigureOut">
               <a:rPr lang="zh-CN" altLang="en-US" smtClean="0"/>
               <a:t>2024/3/10</a:t>
             </a:fld>
@@ -671,7 +671,7 @@
           <p:cNvPr id="5" name="页脚占位符 4">
             <a:extLst>
               <a:ext uri="{FF2B5EF4-FFF2-40B4-BE49-F238E27FC236}">
-                <a16:creationId xmlns:a16="http://schemas.microsoft.com/office/drawing/2014/main" id="{57E46396-7CCF-3E14-B3CD-EA6D14F9EDDA}"/>
+                <a16:creationId xmlns:a16="http://schemas.microsoft.com/office/drawing/2014/main" id="{938FAA58-D305-25E3-D315-75426826BCF7}"/>
               </a:ext>
             </a:extLst>
           </p:cNvPr>
@@ -696,7 +696,7 @@
           <p:cNvPr id="6" name="灯片编号占位符 5">
             <a:extLst>
               <a:ext uri="{FF2B5EF4-FFF2-40B4-BE49-F238E27FC236}">
-                <a16:creationId xmlns:a16="http://schemas.microsoft.com/office/drawing/2014/main" id="{FB6DE3D2-614C-7E8C-0BE0-1C573525C659}"/>
+                <a16:creationId xmlns:a16="http://schemas.microsoft.com/office/drawing/2014/main" id="{F545EC37-8D4C-D2CB-EDD7-82852135FEAC}"/>
               </a:ext>
             </a:extLst>
           </p:cNvPr>
@@ -712,7 +712,7 @@
           <a:bodyPr/>
           <a:lstStyle/>
           <a:p>
-            <a:fld id="{B9B5837B-BF8C-4A87-BEA0-8D4C47768557}" type="slidenum">
+            <a:fld id="{284E2ED6-9524-4D47-ADF2-4C40D2ADFC8F}" type="slidenum">
               <a:rPr lang="zh-CN" altLang="en-US" smtClean="0"/>
               <a:t>‹#›</a:t>
             </a:fld>
@@ -723,7 +723,7 @@
     </p:spTree>
     <p:extLst>
       <p:ext uri="{BB962C8B-B14F-4D97-AF65-F5344CB8AC3E}">
-        <p14:creationId xmlns:p14="http://schemas.microsoft.com/office/powerpoint/2010/main" val="2682744935"/>
+        <p14:creationId xmlns:p14="http://schemas.microsoft.com/office/powerpoint/2010/main" val="2748709700"/>
       </p:ext>
     </p:extLst>
   </p:cSld>
@@ -755,7 +755,7 @@
           <p:cNvPr id="2" name="标题 1">
             <a:extLst>
               <a:ext uri="{FF2B5EF4-FFF2-40B4-BE49-F238E27FC236}">
-                <a16:creationId xmlns:a16="http://schemas.microsoft.com/office/drawing/2014/main" id="{2DEDB9B0-F37E-2DFF-86E0-AF5AF1E3CE8B}"/>
+                <a16:creationId xmlns:a16="http://schemas.microsoft.com/office/drawing/2014/main" id="{B00DEADC-2099-FBBD-ABAA-E5A0C3EFDB0E}"/>
               </a:ext>
             </a:extLst>
           </p:cNvPr>
@@ -783,7 +783,7 @@
           <p:cNvPr id="3" name="内容占位符 2">
             <a:extLst>
               <a:ext uri="{FF2B5EF4-FFF2-40B4-BE49-F238E27FC236}">
-                <a16:creationId xmlns:a16="http://schemas.microsoft.com/office/drawing/2014/main" id="{A10BACE0-375E-1CFF-79E0-7540A2BCC43C}"/>
+                <a16:creationId xmlns:a16="http://schemas.microsoft.com/office/drawing/2014/main" id="{DA8CB5F9-BACD-1496-73E7-E2ECC75BA5A3}"/>
               </a:ext>
             </a:extLst>
           </p:cNvPr>
@@ -840,7 +840,7 @@
           <p:cNvPr id="4" name="日期占位符 3">
             <a:extLst>
               <a:ext uri="{FF2B5EF4-FFF2-40B4-BE49-F238E27FC236}">
-                <a16:creationId xmlns:a16="http://schemas.microsoft.com/office/drawing/2014/main" id="{DB766700-0E1D-A3B9-4CEF-73EC42D1F312}"/>
+                <a16:creationId xmlns:a16="http://schemas.microsoft.com/office/drawing/2014/main" id="{5451E1B7-B287-4926-2878-CB3F7ECFBC21}"/>
               </a:ext>
             </a:extLst>
           </p:cNvPr>
@@ -856,7 +856,7 @@
           <a:bodyPr/>
           <a:lstStyle/>
           <a:p>
-            <a:fld id="{259CCCC5-3357-4882-8BB8-6379A2E6A040}" type="datetimeFigureOut">
+            <a:fld id="{B5980501-479D-4C6D-BA30-8A8609A3FAED}" type="datetimeFigureOut">
               <a:rPr lang="zh-CN" altLang="en-US" smtClean="0"/>
               <a:t>2024/3/10</a:t>
             </a:fld>
@@ -869,7 +869,7 @@
           <p:cNvPr id="5" name="页脚占位符 4">
             <a:extLst>
               <a:ext uri="{FF2B5EF4-FFF2-40B4-BE49-F238E27FC236}">
-                <a16:creationId xmlns:a16="http://schemas.microsoft.com/office/drawing/2014/main" id="{0EBB51CF-C208-7977-EA5E-8101DEBFB9C3}"/>
+                <a16:creationId xmlns:a16="http://schemas.microsoft.com/office/drawing/2014/main" id="{A13D2674-472D-1CB4-6A6D-90C6A0DFB631}"/>
               </a:ext>
             </a:extLst>
           </p:cNvPr>
@@ -894,7 +894,7 @@
           <p:cNvPr id="6" name="灯片编号占位符 5">
             <a:extLst>
               <a:ext uri="{FF2B5EF4-FFF2-40B4-BE49-F238E27FC236}">
-                <a16:creationId xmlns:a16="http://schemas.microsoft.com/office/drawing/2014/main" id="{A8A18DA0-076E-F614-3008-BC785FEE5ED6}"/>
+                <a16:creationId xmlns:a16="http://schemas.microsoft.com/office/drawing/2014/main" id="{90292076-53DA-DDA0-E2A4-D58B45E75FB5}"/>
               </a:ext>
             </a:extLst>
           </p:cNvPr>
@@ -910,7 +910,7 @@
           <a:bodyPr/>
           <a:lstStyle/>
           <a:p>
-            <a:fld id="{B9B5837B-BF8C-4A87-BEA0-8D4C47768557}" type="slidenum">
+            <a:fld id="{284E2ED6-9524-4D47-ADF2-4C40D2ADFC8F}" type="slidenum">
               <a:rPr lang="zh-CN" altLang="en-US" smtClean="0"/>
               <a:t>‹#›</a:t>
             </a:fld>
@@ -921,7 +921,7 @@
     </p:spTree>
     <p:extLst>
       <p:ext uri="{BB962C8B-B14F-4D97-AF65-F5344CB8AC3E}">
-        <p14:creationId xmlns:p14="http://schemas.microsoft.com/office/powerpoint/2010/main" val="4203067750"/>
+        <p14:creationId xmlns:p14="http://schemas.microsoft.com/office/powerpoint/2010/main" val="387300071"/>
       </p:ext>
     </p:extLst>
   </p:cSld>
@@ -953,7 +953,7 @@
           <p:cNvPr id="2" name="标题 1">
             <a:extLst>
               <a:ext uri="{FF2B5EF4-FFF2-40B4-BE49-F238E27FC236}">
-                <a16:creationId xmlns:a16="http://schemas.microsoft.com/office/drawing/2014/main" id="{43DDBA57-4645-A546-E201-970645D59B39}"/>
+                <a16:creationId xmlns:a16="http://schemas.microsoft.com/office/drawing/2014/main" id="{5ADD8962-6308-4AD9-23E7-066F8197CB00}"/>
               </a:ext>
             </a:extLst>
           </p:cNvPr>
@@ -990,7 +990,7 @@
           <p:cNvPr id="3" name="文本占位符 2">
             <a:extLst>
               <a:ext uri="{FF2B5EF4-FFF2-40B4-BE49-F238E27FC236}">
-                <a16:creationId xmlns:a16="http://schemas.microsoft.com/office/drawing/2014/main" id="{EBBD8F62-8642-2C97-CF39-118BE00DF157}"/>
+                <a16:creationId xmlns:a16="http://schemas.microsoft.com/office/drawing/2014/main" id="{E84AD99E-8D96-050D-E3A3-7FE3C727DC8D}"/>
               </a:ext>
             </a:extLst>
           </p:cNvPr>
@@ -1115,7 +1115,7 @@
           <p:cNvPr id="4" name="日期占位符 3">
             <a:extLst>
               <a:ext uri="{FF2B5EF4-FFF2-40B4-BE49-F238E27FC236}">
-                <a16:creationId xmlns:a16="http://schemas.microsoft.com/office/drawing/2014/main" id="{1D3425EB-78F9-2D00-8778-F91CD4303275}"/>
+                <a16:creationId xmlns:a16="http://schemas.microsoft.com/office/drawing/2014/main" id="{55266331-DF7B-F21E-7C8D-827DC2C5AA77}"/>
               </a:ext>
             </a:extLst>
           </p:cNvPr>
@@ -1131,7 +1131,7 @@
           <a:bodyPr/>
           <a:lstStyle/>
           <a:p>
-            <a:fld id="{259CCCC5-3357-4882-8BB8-6379A2E6A040}" type="datetimeFigureOut">
+            <a:fld id="{B5980501-479D-4C6D-BA30-8A8609A3FAED}" type="datetimeFigureOut">
               <a:rPr lang="zh-CN" altLang="en-US" smtClean="0"/>
               <a:t>2024/3/10</a:t>
             </a:fld>
@@ -1144,7 +1144,7 @@
           <p:cNvPr id="5" name="页脚占位符 4">
             <a:extLst>
               <a:ext uri="{FF2B5EF4-FFF2-40B4-BE49-F238E27FC236}">
-                <a16:creationId xmlns:a16="http://schemas.microsoft.com/office/drawing/2014/main" id="{9AC280BE-E24E-0DA2-CA1B-B157C2B76948}"/>
+                <a16:creationId xmlns:a16="http://schemas.microsoft.com/office/drawing/2014/main" id="{A1E9147B-8770-14E1-15D4-B476B0FA2093}"/>
               </a:ext>
             </a:extLst>
           </p:cNvPr>
@@ -1169,7 +1169,7 @@
           <p:cNvPr id="6" name="灯片编号占位符 5">
             <a:extLst>
               <a:ext uri="{FF2B5EF4-FFF2-40B4-BE49-F238E27FC236}">
-                <a16:creationId xmlns:a16="http://schemas.microsoft.com/office/drawing/2014/main" id="{88F67FA1-E242-DD98-A54C-CE04D6F9E5D0}"/>
+                <a16:creationId xmlns:a16="http://schemas.microsoft.com/office/drawing/2014/main" id="{EDBFCEBA-6D75-E9BE-F7D2-5D31389F0063}"/>
               </a:ext>
             </a:extLst>
           </p:cNvPr>
@@ -1185,7 +1185,7 @@
           <a:bodyPr/>
           <a:lstStyle/>
           <a:p>
-            <a:fld id="{B9B5837B-BF8C-4A87-BEA0-8D4C47768557}" type="slidenum">
+            <a:fld id="{284E2ED6-9524-4D47-ADF2-4C40D2ADFC8F}" type="slidenum">
               <a:rPr lang="zh-CN" altLang="en-US" smtClean="0"/>
               <a:t>‹#›</a:t>
             </a:fld>
@@ -1196,7 +1196,7 @@
     </p:spTree>
     <p:extLst>
       <p:ext uri="{BB962C8B-B14F-4D97-AF65-F5344CB8AC3E}">
-        <p14:creationId xmlns:p14="http://schemas.microsoft.com/office/powerpoint/2010/main" val="4041616137"/>
+        <p14:creationId xmlns:p14="http://schemas.microsoft.com/office/powerpoint/2010/main" val="2946930948"/>
       </p:ext>
     </p:extLst>
   </p:cSld>
@@ -1228,7 +1228,7 @@
           <p:cNvPr id="2" name="标题 1">
             <a:extLst>
               <a:ext uri="{FF2B5EF4-FFF2-40B4-BE49-F238E27FC236}">
-                <a16:creationId xmlns:a16="http://schemas.microsoft.com/office/drawing/2014/main" id="{0AA29B53-AE06-15D7-AA79-DA5FC0934BE5}"/>
+                <a16:creationId xmlns:a16="http://schemas.microsoft.com/office/drawing/2014/main" id="{40DE0A02-E441-EE8E-ADF3-A8A1C1E51596}"/>
               </a:ext>
             </a:extLst>
           </p:cNvPr>
@@ -1256,7 +1256,7 @@
           <p:cNvPr id="3" name="内容占位符 2">
             <a:extLst>
               <a:ext uri="{FF2B5EF4-FFF2-40B4-BE49-F238E27FC236}">
-                <a16:creationId xmlns:a16="http://schemas.microsoft.com/office/drawing/2014/main" id="{301EBAE3-590C-D6E3-B667-618FC325E0A8}"/>
+                <a16:creationId xmlns:a16="http://schemas.microsoft.com/office/drawing/2014/main" id="{FE631D42-7F40-4B51-8BEB-05681CE8A933}"/>
               </a:ext>
             </a:extLst>
           </p:cNvPr>
@@ -1318,7 +1318,7 @@
           <p:cNvPr id="4" name="内容占位符 3">
             <a:extLst>
               <a:ext uri="{FF2B5EF4-FFF2-40B4-BE49-F238E27FC236}">
-                <a16:creationId xmlns:a16="http://schemas.microsoft.com/office/drawing/2014/main" id="{CB9C6850-5463-0278-EE15-B8B8456072BC}"/>
+                <a16:creationId xmlns:a16="http://schemas.microsoft.com/office/drawing/2014/main" id="{BF4D1836-3ECE-F1BD-48B9-840099524E06}"/>
               </a:ext>
             </a:extLst>
           </p:cNvPr>
@@ -1380,7 +1380,7 @@
           <p:cNvPr id="5" name="日期占位符 4">
             <a:extLst>
               <a:ext uri="{FF2B5EF4-FFF2-40B4-BE49-F238E27FC236}">
-                <a16:creationId xmlns:a16="http://schemas.microsoft.com/office/drawing/2014/main" id="{4B9F0CFC-F90D-374D-8460-2125B479FD4D}"/>
+                <a16:creationId xmlns:a16="http://schemas.microsoft.com/office/drawing/2014/main" id="{8F0F329B-4B7D-8912-21D1-6FC5E08D11EB}"/>
               </a:ext>
             </a:extLst>
           </p:cNvPr>
@@ -1396,7 +1396,7 @@
           <a:bodyPr/>
           <a:lstStyle/>
           <a:p>
-            <a:fld id="{259CCCC5-3357-4882-8BB8-6379A2E6A040}" type="datetimeFigureOut">
+            <a:fld id="{B5980501-479D-4C6D-BA30-8A8609A3FAED}" type="datetimeFigureOut">
               <a:rPr lang="zh-CN" altLang="en-US" smtClean="0"/>
               <a:t>2024/3/10</a:t>
             </a:fld>
@@ -1409,7 +1409,7 @@
           <p:cNvPr id="6" name="页脚占位符 5">
             <a:extLst>
               <a:ext uri="{FF2B5EF4-FFF2-40B4-BE49-F238E27FC236}">
-                <a16:creationId xmlns:a16="http://schemas.microsoft.com/office/drawing/2014/main" id="{5F333E3C-63E6-F8A9-3778-56AAEBB50366}"/>
+                <a16:creationId xmlns:a16="http://schemas.microsoft.com/office/drawing/2014/main" id="{3E5351DA-EEEA-351D-30B3-0173576984C8}"/>
               </a:ext>
             </a:extLst>
           </p:cNvPr>
@@ -1434,7 +1434,7 @@
           <p:cNvPr id="7" name="灯片编号占位符 6">
             <a:extLst>
               <a:ext uri="{FF2B5EF4-FFF2-40B4-BE49-F238E27FC236}">
-                <a16:creationId xmlns:a16="http://schemas.microsoft.com/office/drawing/2014/main" id="{37CC7FC7-A0B5-7B6D-3594-BD50D100736C}"/>
+                <a16:creationId xmlns:a16="http://schemas.microsoft.com/office/drawing/2014/main" id="{00404A32-1BFC-67DD-A8F6-684C1C3CDF6A}"/>
               </a:ext>
             </a:extLst>
           </p:cNvPr>
@@ -1450,7 +1450,7 @@
           <a:bodyPr/>
           <a:lstStyle/>
           <a:p>
-            <a:fld id="{B9B5837B-BF8C-4A87-BEA0-8D4C47768557}" type="slidenum">
+            <a:fld id="{284E2ED6-9524-4D47-ADF2-4C40D2ADFC8F}" type="slidenum">
               <a:rPr lang="zh-CN" altLang="en-US" smtClean="0"/>
               <a:t>‹#›</a:t>
             </a:fld>
@@ -1461,7 +1461,7 @@
     </p:spTree>
     <p:extLst>
       <p:ext uri="{BB962C8B-B14F-4D97-AF65-F5344CB8AC3E}">
-        <p14:creationId xmlns:p14="http://schemas.microsoft.com/office/powerpoint/2010/main" val="3172343896"/>
+        <p14:creationId xmlns:p14="http://schemas.microsoft.com/office/powerpoint/2010/main" val="2970168118"/>
       </p:ext>
     </p:extLst>
   </p:cSld>
@@ -1493,7 +1493,7 @@
           <p:cNvPr id="2" name="标题 1">
             <a:extLst>
               <a:ext uri="{FF2B5EF4-FFF2-40B4-BE49-F238E27FC236}">
-                <a16:creationId xmlns:a16="http://schemas.microsoft.com/office/drawing/2014/main" id="{FF0994EA-DE2D-03B6-7D63-546D5AEF9AEA}"/>
+                <a16:creationId xmlns:a16="http://schemas.microsoft.com/office/drawing/2014/main" id="{40FB4179-B581-C229-8534-4D33CE7D8307}"/>
               </a:ext>
             </a:extLst>
           </p:cNvPr>
@@ -1526,7 +1526,7 @@
           <p:cNvPr id="3" name="文本占位符 2">
             <a:extLst>
               <a:ext uri="{FF2B5EF4-FFF2-40B4-BE49-F238E27FC236}">
-                <a16:creationId xmlns:a16="http://schemas.microsoft.com/office/drawing/2014/main" id="{2C517265-DD40-46EA-7612-0F4E7CAD9AAE}"/>
+                <a16:creationId xmlns:a16="http://schemas.microsoft.com/office/drawing/2014/main" id="{C1677075-F2DB-397D-9B7A-36CC2458CB96}"/>
               </a:ext>
             </a:extLst>
           </p:cNvPr>
@@ -1597,7 +1597,7 @@
           <p:cNvPr id="4" name="内容占位符 3">
             <a:extLst>
               <a:ext uri="{FF2B5EF4-FFF2-40B4-BE49-F238E27FC236}">
-                <a16:creationId xmlns:a16="http://schemas.microsoft.com/office/drawing/2014/main" id="{2D7CA88A-9596-F198-E929-0D43D3C5D4C6}"/>
+                <a16:creationId xmlns:a16="http://schemas.microsoft.com/office/drawing/2014/main" id="{13CFF3B6-6661-8725-4DE2-F9DAA7A5625C}"/>
               </a:ext>
             </a:extLst>
           </p:cNvPr>
@@ -1659,7 +1659,7 @@
           <p:cNvPr id="5" name="文本占位符 4">
             <a:extLst>
               <a:ext uri="{FF2B5EF4-FFF2-40B4-BE49-F238E27FC236}">
-                <a16:creationId xmlns:a16="http://schemas.microsoft.com/office/drawing/2014/main" id="{E411DFCC-5AC0-02AE-BCD5-10B656AAF835}"/>
+                <a16:creationId xmlns:a16="http://schemas.microsoft.com/office/drawing/2014/main" id="{D535DA67-A2F4-E924-3D60-27BEDE497B48}"/>
               </a:ext>
             </a:extLst>
           </p:cNvPr>
@@ -1730,7 +1730,7 @@
           <p:cNvPr id="6" name="内容占位符 5">
             <a:extLst>
               <a:ext uri="{FF2B5EF4-FFF2-40B4-BE49-F238E27FC236}">
-                <a16:creationId xmlns:a16="http://schemas.microsoft.com/office/drawing/2014/main" id="{8D3411E7-55A5-C499-B84C-E41EA133DB33}"/>
+                <a16:creationId xmlns:a16="http://schemas.microsoft.com/office/drawing/2014/main" id="{9F9BE6CF-BBE7-E7F1-31AB-CE16C6FF07AD}"/>
               </a:ext>
             </a:extLst>
           </p:cNvPr>
@@ -1792,7 +1792,7 @@
           <p:cNvPr id="7" name="日期占位符 6">
             <a:extLst>
               <a:ext uri="{FF2B5EF4-FFF2-40B4-BE49-F238E27FC236}">
-                <a16:creationId xmlns:a16="http://schemas.microsoft.com/office/drawing/2014/main" id="{51090C70-5264-D2C2-B06C-9A681812DBB2}"/>
+                <a16:creationId xmlns:a16="http://schemas.microsoft.com/office/drawing/2014/main" id="{C0A0CCBD-4E90-EE0F-C02A-CC5875FA3B3C}"/>
               </a:ext>
             </a:extLst>
           </p:cNvPr>
@@ -1808,7 +1808,7 @@
           <a:bodyPr/>
           <a:lstStyle/>
           <a:p>
-            <a:fld id="{259CCCC5-3357-4882-8BB8-6379A2E6A040}" type="datetimeFigureOut">
+            <a:fld id="{B5980501-479D-4C6D-BA30-8A8609A3FAED}" type="datetimeFigureOut">
               <a:rPr lang="zh-CN" altLang="en-US" smtClean="0"/>
               <a:t>2024/3/10</a:t>
             </a:fld>
@@ -1821,7 +1821,7 @@
           <p:cNvPr id="8" name="页脚占位符 7">
             <a:extLst>
               <a:ext uri="{FF2B5EF4-FFF2-40B4-BE49-F238E27FC236}">
-                <a16:creationId xmlns:a16="http://schemas.microsoft.com/office/drawing/2014/main" id="{EFF3C927-C444-8E48-A986-9FC8FEA4AF00}"/>
+                <a16:creationId xmlns:a16="http://schemas.microsoft.com/office/drawing/2014/main" id="{F6FDA22F-0FBF-5B0C-44DD-356826DAC493}"/>
               </a:ext>
             </a:extLst>
           </p:cNvPr>
@@ -1846,7 +1846,7 @@
           <p:cNvPr id="9" name="灯片编号占位符 8">
             <a:extLst>
               <a:ext uri="{FF2B5EF4-FFF2-40B4-BE49-F238E27FC236}">
-                <a16:creationId xmlns:a16="http://schemas.microsoft.com/office/drawing/2014/main" id="{8E26994F-6A84-7F77-EB8B-CCDC113FE848}"/>
+                <a16:creationId xmlns:a16="http://schemas.microsoft.com/office/drawing/2014/main" id="{DF8E2337-5D03-4B6D-16AB-23C043543121}"/>
               </a:ext>
             </a:extLst>
           </p:cNvPr>
@@ -1862,7 +1862,7 @@
           <a:bodyPr/>
           <a:lstStyle/>
           <a:p>
-            <a:fld id="{B9B5837B-BF8C-4A87-BEA0-8D4C47768557}" type="slidenum">
+            <a:fld id="{284E2ED6-9524-4D47-ADF2-4C40D2ADFC8F}" type="slidenum">
               <a:rPr lang="zh-CN" altLang="en-US" smtClean="0"/>
               <a:t>‹#›</a:t>
             </a:fld>
@@ -1873,7 +1873,7 @@
     </p:spTree>
     <p:extLst>
       <p:ext uri="{BB962C8B-B14F-4D97-AF65-F5344CB8AC3E}">
-        <p14:creationId xmlns:p14="http://schemas.microsoft.com/office/powerpoint/2010/main" val="2927650579"/>
+        <p14:creationId xmlns:p14="http://schemas.microsoft.com/office/powerpoint/2010/main" val="2109327774"/>
       </p:ext>
     </p:extLst>
   </p:cSld>
@@ -1905,7 +1905,7 @@
           <p:cNvPr id="2" name="标题 1">
             <a:extLst>
               <a:ext uri="{FF2B5EF4-FFF2-40B4-BE49-F238E27FC236}">
-                <a16:creationId xmlns:a16="http://schemas.microsoft.com/office/drawing/2014/main" id="{0A0B5E37-4D7A-B2A8-0192-FCD9C0DC1ABC}"/>
+                <a16:creationId xmlns:a16="http://schemas.microsoft.com/office/drawing/2014/main" id="{36749706-BC3C-BE11-A9E7-2009B362C640}"/>
               </a:ext>
             </a:extLst>
           </p:cNvPr>
@@ -1933,7 +1933,7 @@
           <p:cNvPr id="3" name="日期占位符 2">
             <a:extLst>
               <a:ext uri="{FF2B5EF4-FFF2-40B4-BE49-F238E27FC236}">
-                <a16:creationId xmlns:a16="http://schemas.microsoft.com/office/drawing/2014/main" id="{C72B4BD4-2918-1983-89DA-0CB2485F8348}"/>
+                <a16:creationId xmlns:a16="http://schemas.microsoft.com/office/drawing/2014/main" id="{5FA43630-6536-5BF6-6180-3055229D1D4B}"/>
               </a:ext>
             </a:extLst>
           </p:cNvPr>
@@ -1949,7 +1949,7 @@
           <a:bodyPr/>
           <a:lstStyle/>
           <a:p>
-            <a:fld id="{259CCCC5-3357-4882-8BB8-6379A2E6A040}" type="datetimeFigureOut">
+            <a:fld id="{B5980501-479D-4C6D-BA30-8A8609A3FAED}" type="datetimeFigureOut">
               <a:rPr lang="zh-CN" altLang="en-US" smtClean="0"/>
               <a:t>2024/3/10</a:t>
             </a:fld>
@@ -1962,7 +1962,7 @@
           <p:cNvPr id="4" name="页脚占位符 3">
             <a:extLst>
               <a:ext uri="{FF2B5EF4-FFF2-40B4-BE49-F238E27FC236}">
-                <a16:creationId xmlns:a16="http://schemas.microsoft.com/office/drawing/2014/main" id="{5E575564-D2D7-86AD-4EEB-90CC5BFCD0F4}"/>
+                <a16:creationId xmlns:a16="http://schemas.microsoft.com/office/drawing/2014/main" id="{D8461938-2D6F-AD2D-2507-92A70BF1CC05}"/>
               </a:ext>
             </a:extLst>
           </p:cNvPr>
@@ -1987,7 +1987,7 @@
           <p:cNvPr id="5" name="灯片编号占位符 4">
             <a:extLst>
               <a:ext uri="{FF2B5EF4-FFF2-40B4-BE49-F238E27FC236}">
-                <a16:creationId xmlns:a16="http://schemas.microsoft.com/office/drawing/2014/main" id="{E933CBAA-094D-23C8-E45E-40169AA827F9}"/>
+                <a16:creationId xmlns:a16="http://schemas.microsoft.com/office/drawing/2014/main" id="{A0CBB733-12F7-082A-B594-9FBEC477021C}"/>
               </a:ext>
             </a:extLst>
           </p:cNvPr>
@@ -2003,7 +2003,7 @@
           <a:bodyPr/>
           <a:lstStyle/>
           <a:p>
-            <a:fld id="{B9B5837B-BF8C-4A87-BEA0-8D4C47768557}" type="slidenum">
+            <a:fld id="{284E2ED6-9524-4D47-ADF2-4C40D2ADFC8F}" type="slidenum">
               <a:rPr lang="zh-CN" altLang="en-US" smtClean="0"/>
               <a:t>‹#›</a:t>
             </a:fld>
@@ -2014,7 +2014,7 @@
     </p:spTree>
     <p:extLst>
       <p:ext uri="{BB962C8B-B14F-4D97-AF65-F5344CB8AC3E}">
-        <p14:creationId xmlns:p14="http://schemas.microsoft.com/office/powerpoint/2010/main" val="3998442309"/>
+        <p14:creationId xmlns:p14="http://schemas.microsoft.com/office/powerpoint/2010/main" val="909089075"/>
       </p:ext>
     </p:extLst>
   </p:cSld>
@@ -2046,7 +2046,7 @@
           <p:cNvPr id="2" name="日期占位符 1">
             <a:extLst>
               <a:ext uri="{FF2B5EF4-FFF2-40B4-BE49-F238E27FC236}">
-                <a16:creationId xmlns:a16="http://schemas.microsoft.com/office/drawing/2014/main" id="{899DA7FD-CBF6-25B9-D8C6-3320791BB972}"/>
+                <a16:creationId xmlns:a16="http://schemas.microsoft.com/office/drawing/2014/main" id="{14EFD093-2925-411F-CD11-E3D23755B4E6}"/>
               </a:ext>
             </a:extLst>
           </p:cNvPr>
@@ -2062,7 +2062,7 @@
           <a:bodyPr/>
           <a:lstStyle/>
           <a:p>
-            <a:fld id="{259CCCC5-3357-4882-8BB8-6379A2E6A040}" type="datetimeFigureOut">
+            <a:fld id="{B5980501-479D-4C6D-BA30-8A8609A3FAED}" type="datetimeFigureOut">
               <a:rPr lang="zh-CN" altLang="en-US" smtClean="0"/>
               <a:t>2024/3/10</a:t>
             </a:fld>
@@ -2075,7 +2075,7 @@
           <p:cNvPr id="3" name="页脚占位符 2">
             <a:extLst>
               <a:ext uri="{FF2B5EF4-FFF2-40B4-BE49-F238E27FC236}">
-                <a16:creationId xmlns:a16="http://schemas.microsoft.com/office/drawing/2014/main" id="{6FAA4445-40E8-8054-F9DA-82D3D4CEA75F}"/>
+                <a16:creationId xmlns:a16="http://schemas.microsoft.com/office/drawing/2014/main" id="{CCADD661-CBA6-0E89-C62C-8307AF585E39}"/>
               </a:ext>
             </a:extLst>
           </p:cNvPr>
@@ -2100,7 +2100,7 @@
           <p:cNvPr id="4" name="灯片编号占位符 3">
             <a:extLst>
               <a:ext uri="{FF2B5EF4-FFF2-40B4-BE49-F238E27FC236}">
-                <a16:creationId xmlns:a16="http://schemas.microsoft.com/office/drawing/2014/main" id="{4ECA5492-608A-7BB6-161B-D26439C68E58}"/>
+                <a16:creationId xmlns:a16="http://schemas.microsoft.com/office/drawing/2014/main" id="{23B641BF-102D-06F9-C8AE-49AB2B2FBCE8}"/>
               </a:ext>
             </a:extLst>
           </p:cNvPr>
@@ -2116,7 +2116,7 @@
           <a:bodyPr/>
           <a:lstStyle/>
           <a:p>
-            <a:fld id="{B9B5837B-BF8C-4A87-BEA0-8D4C47768557}" type="slidenum">
+            <a:fld id="{284E2ED6-9524-4D47-ADF2-4C40D2ADFC8F}" type="slidenum">
               <a:rPr lang="zh-CN" altLang="en-US" smtClean="0"/>
               <a:t>‹#›</a:t>
             </a:fld>
@@ -2127,7 +2127,7 @@
     </p:spTree>
     <p:extLst>
       <p:ext uri="{BB962C8B-B14F-4D97-AF65-F5344CB8AC3E}">
-        <p14:creationId xmlns:p14="http://schemas.microsoft.com/office/powerpoint/2010/main" val="2530388642"/>
+        <p14:creationId xmlns:p14="http://schemas.microsoft.com/office/powerpoint/2010/main" val="3838410981"/>
       </p:ext>
     </p:extLst>
   </p:cSld>
@@ -2159,7 +2159,7 @@
           <p:cNvPr id="2" name="标题 1">
             <a:extLst>
               <a:ext uri="{FF2B5EF4-FFF2-40B4-BE49-F238E27FC236}">
-                <a16:creationId xmlns:a16="http://schemas.microsoft.com/office/drawing/2014/main" id="{C81C4AB2-88F1-E3CA-4A7B-2B4BFD69C234}"/>
+                <a16:creationId xmlns:a16="http://schemas.microsoft.com/office/drawing/2014/main" id="{3E57DB00-A852-C141-F6DD-BABBEDB392FE}"/>
               </a:ext>
             </a:extLst>
           </p:cNvPr>
@@ -2196,7 +2196,7 @@
           <p:cNvPr id="3" name="内容占位符 2">
             <a:extLst>
               <a:ext uri="{FF2B5EF4-FFF2-40B4-BE49-F238E27FC236}">
-                <a16:creationId xmlns:a16="http://schemas.microsoft.com/office/drawing/2014/main" id="{4C70A93D-2D91-3E02-91AB-BE1B642D8CF4}"/>
+                <a16:creationId xmlns:a16="http://schemas.microsoft.com/office/drawing/2014/main" id="{6ABE9B4C-AE43-BC3B-6129-507AF71BB2BF}"/>
               </a:ext>
             </a:extLst>
           </p:cNvPr>
@@ -2286,7 +2286,7 @@
           <p:cNvPr id="4" name="文本占位符 3">
             <a:extLst>
               <a:ext uri="{FF2B5EF4-FFF2-40B4-BE49-F238E27FC236}">
-                <a16:creationId xmlns:a16="http://schemas.microsoft.com/office/drawing/2014/main" id="{0CB2F0A4-7F3F-E888-48FB-4BDA2D255CC8}"/>
+                <a16:creationId xmlns:a16="http://schemas.microsoft.com/office/drawing/2014/main" id="{4BD0EEFD-5603-30F3-D8EB-C5E1BCE53D6F}"/>
               </a:ext>
             </a:extLst>
           </p:cNvPr>
@@ -2357,7 +2357,7 @@
           <p:cNvPr id="5" name="日期占位符 4">
             <a:extLst>
               <a:ext uri="{FF2B5EF4-FFF2-40B4-BE49-F238E27FC236}">
-                <a16:creationId xmlns:a16="http://schemas.microsoft.com/office/drawing/2014/main" id="{E812D384-3350-6816-FF51-D73279FF8E89}"/>
+                <a16:creationId xmlns:a16="http://schemas.microsoft.com/office/drawing/2014/main" id="{85C65F5E-97D4-C7C6-C117-B69CF2F4165D}"/>
               </a:ext>
             </a:extLst>
           </p:cNvPr>
@@ -2373,7 +2373,7 @@
           <a:bodyPr/>
           <a:lstStyle/>
           <a:p>
-            <a:fld id="{259CCCC5-3357-4882-8BB8-6379A2E6A040}" type="datetimeFigureOut">
+            <a:fld id="{B5980501-479D-4C6D-BA30-8A8609A3FAED}" type="datetimeFigureOut">
               <a:rPr lang="zh-CN" altLang="en-US" smtClean="0"/>
               <a:t>2024/3/10</a:t>
             </a:fld>
@@ -2386,7 +2386,7 @@
           <p:cNvPr id="6" name="页脚占位符 5">
             <a:extLst>
               <a:ext uri="{FF2B5EF4-FFF2-40B4-BE49-F238E27FC236}">
-                <a16:creationId xmlns:a16="http://schemas.microsoft.com/office/drawing/2014/main" id="{B4AEA4FF-3368-6093-210F-AE1C06EA793C}"/>
+                <a16:creationId xmlns:a16="http://schemas.microsoft.com/office/drawing/2014/main" id="{D036DE6C-91D4-0C2B-3DBE-0308BD07B267}"/>
               </a:ext>
             </a:extLst>
           </p:cNvPr>
@@ -2411,7 +2411,7 @@
           <p:cNvPr id="7" name="灯片编号占位符 6">
             <a:extLst>
               <a:ext uri="{FF2B5EF4-FFF2-40B4-BE49-F238E27FC236}">
-                <a16:creationId xmlns:a16="http://schemas.microsoft.com/office/drawing/2014/main" id="{DF1B3894-22E9-6DB7-570F-D171658BF4F9}"/>
+                <a16:creationId xmlns:a16="http://schemas.microsoft.com/office/drawing/2014/main" id="{14305743-0A51-D332-6C76-14915C3564BC}"/>
               </a:ext>
             </a:extLst>
           </p:cNvPr>
@@ -2427,7 +2427,7 @@
           <a:bodyPr/>
           <a:lstStyle/>
           <a:p>
-            <a:fld id="{B9B5837B-BF8C-4A87-BEA0-8D4C47768557}" type="slidenum">
+            <a:fld id="{284E2ED6-9524-4D47-ADF2-4C40D2ADFC8F}" type="slidenum">
               <a:rPr lang="zh-CN" altLang="en-US" smtClean="0"/>
               <a:t>‹#›</a:t>
             </a:fld>
@@ -2438,7 +2438,7 @@
     </p:spTree>
     <p:extLst>
       <p:ext uri="{BB962C8B-B14F-4D97-AF65-F5344CB8AC3E}">
-        <p14:creationId xmlns:p14="http://schemas.microsoft.com/office/powerpoint/2010/main" val="2887340981"/>
+        <p14:creationId xmlns:p14="http://schemas.microsoft.com/office/powerpoint/2010/main" val="3660040744"/>
       </p:ext>
     </p:extLst>
   </p:cSld>
@@ -2470,7 +2470,7 @@
           <p:cNvPr id="2" name="标题 1">
             <a:extLst>
               <a:ext uri="{FF2B5EF4-FFF2-40B4-BE49-F238E27FC236}">
-                <a16:creationId xmlns:a16="http://schemas.microsoft.com/office/drawing/2014/main" id="{26611B08-90D2-B2A6-85C3-3B878A134F90}"/>
+                <a16:creationId xmlns:a16="http://schemas.microsoft.com/office/drawing/2014/main" id="{7C0D545D-28DB-7447-093A-CF0EE833E6F5}"/>
               </a:ext>
             </a:extLst>
           </p:cNvPr>
@@ -2507,7 +2507,7 @@
           <p:cNvPr id="3" name="图片占位符 2">
             <a:extLst>
               <a:ext uri="{FF2B5EF4-FFF2-40B4-BE49-F238E27FC236}">
-                <a16:creationId xmlns:a16="http://schemas.microsoft.com/office/drawing/2014/main" id="{38CB9865-E03A-AF18-9B92-5591BCE2408D}"/>
+                <a16:creationId xmlns:a16="http://schemas.microsoft.com/office/drawing/2014/main" id="{16B2498A-3813-5F41-B2FE-BAA0C853800B}"/>
               </a:ext>
             </a:extLst>
           </p:cNvPr>
@@ -2574,7 +2574,7 @@
           <p:cNvPr id="4" name="文本占位符 3">
             <a:extLst>
               <a:ext uri="{FF2B5EF4-FFF2-40B4-BE49-F238E27FC236}">
-                <a16:creationId xmlns:a16="http://schemas.microsoft.com/office/drawing/2014/main" id="{24DBEC4D-734D-2205-ECB1-65E513C3521C}"/>
+                <a16:creationId xmlns:a16="http://schemas.microsoft.com/office/drawing/2014/main" id="{A2E9473F-0ABC-D509-C98F-F7CCE15D9E91}"/>
               </a:ext>
             </a:extLst>
           </p:cNvPr>
@@ -2645,7 +2645,7 @@
           <p:cNvPr id="5" name="日期占位符 4">
             <a:extLst>
               <a:ext uri="{FF2B5EF4-FFF2-40B4-BE49-F238E27FC236}">
-                <a16:creationId xmlns:a16="http://schemas.microsoft.com/office/drawing/2014/main" id="{A3218E1A-53C2-DF57-FBCB-DF58829EBB5C}"/>
+                <a16:creationId xmlns:a16="http://schemas.microsoft.com/office/drawing/2014/main" id="{4AAD8B84-BEE5-9294-99C8-6E8AE487010E}"/>
               </a:ext>
             </a:extLst>
           </p:cNvPr>
@@ -2661,7 +2661,7 @@
           <a:bodyPr/>
           <a:lstStyle/>
           <a:p>
-            <a:fld id="{259CCCC5-3357-4882-8BB8-6379A2E6A040}" type="datetimeFigureOut">
+            <a:fld id="{B5980501-479D-4C6D-BA30-8A8609A3FAED}" type="datetimeFigureOut">
               <a:rPr lang="zh-CN" altLang="en-US" smtClean="0"/>
               <a:t>2024/3/10</a:t>
             </a:fld>
@@ -2674,7 +2674,7 @@
           <p:cNvPr id="6" name="页脚占位符 5">
             <a:extLst>
               <a:ext uri="{FF2B5EF4-FFF2-40B4-BE49-F238E27FC236}">
-                <a16:creationId xmlns:a16="http://schemas.microsoft.com/office/drawing/2014/main" id="{141B688D-DD18-79E6-8AF7-632CC2A98ED2}"/>
+                <a16:creationId xmlns:a16="http://schemas.microsoft.com/office/drawing/2014/main" id="{9F949FCD-2AEA-AB89-B580-6BDA2FDC6D02}"/>
               </a:ext>
             </a:extLst>
           </p:cNvPr>
@@ -2699,7 +2699,7 @@
           <p:cNvPr id="7" name="灯片编号占位符 6">
             <a:extLst>
               <a:ext uri="{FF2B5EF4-FFF2-40B4-BE49-F238E27FC236}">
-                <a16:creationId xmlns:a16="http://schemas.microsoft.com/office/drawing/2014/main" id="{DD532250-F462-EAC8-E947-0A98087B12D1}"/>
+                <a16:creationId xmlns:a16="http://schemas.microsoft.com/office/drawing/2014/main" id="{C72D073D-0A42-6C5F-8C6A-64302E51D0A3}"/>
               </a:ext>
             </a:extLst>
           </p:cNvPr>
@@ -2715,7 +2715,7 @@
           <a:bodyPr/>
           <a:lstStyle/>
           <a:p>
-            <a:fld id="{B9B5837B-BF8C-4A87-BEA0-8D4C47768557}" type="slidenum">
+            <a:fld id="{284E2ED6-9524-4D47-ADF2-4C40D2ADFC8F}" type="slidenum">
               <a:rPr lang="zh-CN" altLang="en-US" smtClean="0"/>
               <a:t>‹#›</a:t>
             </a:fld>
@@ -2726,7 +2726,7 @@
     </p:spTree>
     <p:extLst>
       <p:ext uri="{BB962C8B-B14F-4D97-AF65-F5344CB8AC3E}">
-        <p14:creationId xmlns:p14="http://schemas.microsoft.com/office/powerpoint/2010/main" val="2819855060"/>
+        <p14:creationId xmlns:p14="http://schemas.microsoft.com/office/powerpoint/2010/main" val="3665439858"/>
       </p:ext>
     </p:extLst>
   </p:cSld>
@@ -2763,7 +2763,7 @@
           <p:cNvPr id="2" name="标题占位符 1">
             <a:extLst>
               <a:ext uri="{FF2B5EF4-FFF2-40B4-BE49-F238E27FC236}">
-                <a16:creationId xmlns:a16="http://schemas.microsoft.com/office/drawing/2014/main" id="{F8A715AE-4B9C-BB0D-75BC-9048C3EB2188}"/>
+                <a16:creationId xmlns:a16="http://schemas.microsoft.com/office/drawing/2014/main" id="{23F738DF-523D-3BE5-5E70-DF4988EC2258}"/>
               </a:ext>
             </a:extLst>
           </p:cNvPr>
@@ -2801,7 +2801,7 @@
           <p:cNvPr id="3" name="文本占位符 2">
             <a:extLst>
               <a:ext uri="{FF2B5EF4-FFF2-40B4-BE49-F238E27FC236}">
-                <a16:creationId xmlns:a16="http://schemas.microsoft.com/office/drawing/2014/main" id="{90A77358-CD88-6B6E-D15B-7D3297361AA1}"/>
+                <a16:creationId xmlns:a16="http://schemas.microsoft.com/office/drawing/2014/main" id="{CAC17688-2B10-6901-EE6B-ED698FDA3545}"/>
               </a:ext>
             </a:extLst>
           </p:cNvPr>
@@ -2868,7 +2868,7 @@
           <p:cNvPr id="4" name="日期占位符 3">
             <a:extLst>
               <a:ext uri="{FF2B5EF4-FFF2-40B4-BE49-F238E27FC236}">
-                <a16:creationId xmlns:a16="http://schemas.microsoft.com/office/drawing/2014/main" id="{D5846CE7-A01F-5D73-0DFE-ABA5A6A71B16}"/>
+                <a16:creationId xmlns:a16="http://schemas.microsoft.com/office/drawing/2014/main" id="{7154EA30-0986-7E7B-DB52-13041E0B6B9B}"/>
               </a:ext>
             </a:extLst>
           </p:cNvPr>
@@ -2902,7 +2902,7 @@
             </a:lvl1pPr>
           </a:lstStyle>
           <a:p>
-            <a:fld id="{259CCCC5-3357-4882-8BB8-6379A2E6A040}" type="datetimeFigureOut">
+            <a:fld id="{B5980501-479D-4C6D-BA30-8A8609A3FAED}" type="datetimeFigureOut">
               <a:rPr lang="zh-CN" altLang="en-US" smtClean="0"/>
               <a:t>2024/3/10</a:t>
             </a:fld>
@@ -2915,7 +2915,7 @@
           <p:cNvPr id="5" name="页脚占位符 4">
             <a:extLst>
               <a:ext uri="{FF2B5EF4-FFF2-40B4-BE49-F238E27FC236}">
-                <a16:creationId xmlns:a16="http://schemas.microsoft.com/office/drawing/2014/main" id="{CB83E2B9-0A71-7BD9-277F-659BC14DB01C}"/>
+                <a16:creationId xmlns:a16="http://schemas.microsoft.com/office/drawing/2014/main" id="{3E0CE577-B021-E0FC-A5CA-77B6595197E9}"/>
               </a:ext>
             </a:extLst>
           </p:cNvPr>
@@ -2958,7 +2958,7 @@
           <p:cNvPr id="6" name="灯片编号占位符 5">
             <a:extLst>
               <a:ext uri="{FF2B5EF4-FFF2-40B4-BE49-F238E27FC236}">
-                <a16:creationId xmlns:a16="http://schemas.microsoft.com/office/drawing/2014/main" id="{88285F22-8CE9-B3A3-70A6-7FA3570B5729}"/>
+                <a16:creationId xmlns:a16="http://schemas.microsoft.com/office/drawing/2014/main" id="{3CB701DD-1558-2881-5734-370EEFB8ACDB}"/>
               </a:ext>
             </a:extLst>
           </p:cNvPr>
@@ -2992,7 +2992,7 @@
             </a:lvl1pPr>
           </a:lstStyle>
           <a:p>
-            <a:fld id="{B9B5837B-BF8C-4A87-BEA0-8D4C47768557}" type="slidenum">
+            <a:fld id="{284E2ED6-9524-4D47-ADF2-4C40D2ADFC8F}" type="slidenum">
               <a:rPr lang="zh-CN" altLang="en-US" smtClean="0"/>
               <a:t>‹#›</a:t>
             </a:fld>
@@ -3003,7 +3003,7 @@
     </p:spTree>
     <p:extLst>
       <p:ext uri="{BB962C8B-B14F-4D97-AF65-F5344CB8AC3E}">
-        <p14:creationId xmlns:p14="http://schemas.microsoft.com/office/powerpoint/2010/main" val="2929050607"/>
+        <p14:creationId xmlns:p14="http://schemas.microsoft.com/office/powerpoint/2010/main" val="3071171421"/>
       </p:ext>
     </p:extLst>
   </p:cSld>
@@ -3323,7 +3323,7 @@
       </p:grpSpPr>
       <p:pic>
         <p:nvPicPr>
-          <p:cNvPr id="1308674" name="Picture 2" descr="1277"/>
+          <p:cNvPr id="1309698" name="Picture 2" descr="1278"/>
           <p:cNvPicPr>
             <a:picLocks noChangeAspect="1" noChangeArrowheads="1"/>
           </p:cNvPicPr>
@@ -3344,8 +3344,8 @@
         </p:blipFill>
         <p:spPr bwMode="auto">
           <a:xfrm>
-            <a:off x="1524001" y="1"/>
-            <a:ext cx="8964613" cy="6735763"/>
+            <a:off x="1524000" y="0"/>
+            <a:ext cx="9144000" cy="6573838"/>
           </a:xfrm>
           <a:prstGeom prst="rect">
             <a:avLst/>
